--- a/Documents/08 Final Presentation.pptx
+++ b/Documents/08 Final Presentation.pptx
@@ -9801,10 +9801,10 @@
         <a:lstStyle/>
         <a:p>
           <a:r>
-            <a:rPr lang="en-US" baseline="0"/>
+            <a:rPr lang="en-US" baseline="0" dirty="0"/>
             <a:t>Parking lot Table </a:t>
           </a:r>
-          <a:endParaRPr lang="en-US"/>
+          <a:endParaRPr lang="en-US" dirty="0"/>
         </a:p>
       </dgm:t>
     </dgm:pt>
@@ -9838,10 +9838,14 @@
         <a:lstStyle/>
         <a:p>
           <a:r>
-            <a:rPr lang="en-US" baseline="0"/>
-            <a:t>Supabase Account Table</a:t>
+            <a:rPr lang="en-US" baseline="0" dirty="0" err="1"/>
+            <a:t>Supabase</a:t>
           </a:r>
-          <a:endParaRPr lang="en-US"/>
+          <a:r>
+            <a:rPr lang="en-US" baseline="0" dirty="0"/>
+            <a:t> Account Table</a:t>
+          </a:r>
+          <a:endParaRPr lang="en-US" dirty="0"/>
         </a:p>
       </dgm:t>
     </dgm:pt>
@@ -9875,10 +9879,16 @@
         <a:lstStyle/>
         <a:p>
           <a:r>
-            <a:rPr lang="en-US" baseline="0"/>
-            <a:t>Authencatio table</a:t>
+            <a:rPr lang="en-US" baseline="0" dirty="0" err="1">
+              <a:latin typeface="Century Schoolbook" panose="02040604050505020304"/>
+            </a:rPr>
+            <a:t>Authencation</a:t>
           </a:r>
-          <a:endParaRPr lang="en-US"/>
+          <a:r>
+            <a:rPr lang="en-US" baseline="0" dirty="0"/>
+            <a:t> table</a:t>
+          </a:r>
+          <a:endParaRPr lang="en-US" dirty="0"/>
         </a:p>
       </dgm:t>
     </dgm:pt>
@@ -13245,10 +13255,10 @@
             <a:buNone/>
           </a:pPr>
           <a:r>
-            <a:rPr lang="en-US" sz="2600" kern="1200" baseline="0"/>
+            <a:rPr lang="en-US" sz="2600" kern="1200" baseline="0" dirty="0"/>
             <a:t>Parking lot Table </a:t>
           </a:r>
-          <a:endParaRPr lang="en-US" sz="2600" kern="1200"/>
+          <a:endParaRPr lang="en-US" sz="2600" kern="1200" dirty="0"/>
         </a:p>
       </dsp:txBody>
       <dsp:txXfrm>
@@ -13371,10 +13381,14 @@
             <a:buNone/>
           </a:pPr>
           <a:r>
-            <a:rPr lang="en-US" sz="2600" kern="1200" baseline="0"/>
-            <a:t>Supabase Account Table</a:t>
+            <a:rPr lang="en-US" sz="2600" kern="1200" baseline="0" dirty="0" err="1"/>
+            <a:t>Supabase</a:t>
           </a:r>
-          <a:endParaRPr lang="en-US" sz="2600" kern="1200"/>
+          <a:r>
+            <a:rPr lang="en-US" sz="2600" kern="1200" baseline="0" dirty="0"/>
+            <a:t> Account Table</a:t>
+          </a:r>
+          <a:endParaRPr lang="en-US" sz="2600" kern="1200" dirty="0"/>
         </a:p>
       </dsp:txBody>
       <dsp:txXfrm>
@@ -13497,10 +13511,16 @@
             <a:buNone/>
           </a:pPr>
           <a:r>
-            <a:rPr lang="en-US" sz="2600" kern="1200" baseline="0"/>
-            <a:t>Authencatio table</a:t>
+            <a:rPr lang="en-US" sz="2600" kern="1200" baseline="0" dirty="0" err="1">
+              <a:latin typeface="Century Schoolbook" panose="02040604050505020304"/>
+            </a:rPr>
+            <a:t>Authencation</a:t>
           </a:r>
-          <a:endParaRPr lang="en-US" sz="2600" kern="1200"/>
+          <a:r>
+            <a:rPr lang="en-US" sz="2600" kern="1200" baseline="0" dirty="0"/>
+            <a:t> table</a:t>
+          </a:r>
+          <a:endParaRPr lang="en-US" sz="2600" kern="1200" dirty="0"/>
         </a:p>
       </dsp:txBody>
       <dsp:txXfrm>
